--- a/Seamless Appointment Booking For Health.pptx
+++ b/Seamless Appointment Booking For Health.pptx
@@ -4,9 +4,6 @@
   <p:sldMasterIdLst>
     <p:sldMasterId id="2147483648" r:id="rId1"/>
   </p:sldMasterIdLst>
-  <p:notesMasterIdLst>
-    <p:notesMasterId r:id="rId11"/>
-  </p:notesMasterIdLst>
   <p:sldIdLst>
     <p:sldId id="256" r:id="rId2"/>
     <p:sldId id="257" r:id="rId3"/>
@@ -18,7 +15,10 @@
     <p:sldId id="263" r:id="rId9"/>
     <p:sldId id="264" r:id="rId10"/>
   </p:sldIdLst>
-  <p:sldSz cx="9144000" cy="5143500" type="screen16x9"/>
+  <p:notesMasterIdLst>
+    <p:notesMasterId r:id="rId11"/>
+  </p:notesMasterIdLst>
+  <p:sldSz cx="9144000" cy="5143500"/>
   <p:notesSz cx="5143500" cy="9144000"/>
   <p:defaultTextStyle>
     <a:lvl1pPr marL="0" algn="l" defTabSz="914400" rtl="0" eaLnBrk="1" latinLnBrk="0" hangingPunct="1">
@@ -137,7 +137,236 @@
           <a:chExt cx="0" cy="0"/>
         </a:xfrm>
       </p:grpSpPr>
+      <p:sp>
+        <p:nvSpPr>
+          <p:cNvPr id="2" name="Header Placeholder 1"/>
+          <p:cNvSpPr>
+            <a:spLocks noGrp="1"/>
+          </p:cNvSpPr>
+          <p:nvPr>
+            <p:ph type="hdr" sz="quarter"/>
+          </p:nvPr>
+        </p:nvSpPr>
+        <p:spPr>
+          <a:xfrm>
+            <a:off x="0" y="0"/>
+            <a:ext cx="2971800" cy="458788"/>
+          </a:xfrm>
+          <a:prstGeom prst="rect">
+            <a:avLst/>
+          </a:prstGeom>
+        </p:spPr>
+        <p:txBody>
+          <a:bodyPr vert="horz" lIns="91440" tIns="45720" rIns="91440" bIns="45720" rtlCol="0"/>
+          <a:lstStyle>
+            <a:lvl1pPr algn="l">
+              <a:defRPr sz="1200"/>
+            </a:lvl1pPr>
+          </a:lstStyle>
+          <a:p>
+            <a:endParaRPr lang="en-US"/>
+          </a:p>
+        </p:txBody>
+      </p:sp>
+      <p:sp>
+        <p:nvSpPr>
+          <p:cNvPr id="3" name="Date Placeholder 2"/>
+          <p:cNvSpPr>
+            <a:spLocks noGrp="1"/>
+          </p:cNvSpPr>
+          <p:nvPr>
+            <p:ph type="dt" idx="1"/>
+          </p:nvPr>
+        </p:nvSpPr>
+        <p:spPr>
+          <a:xfrm>
+            <a:off x="3884613" y="0"/>
+            <a:ext cx="2971800" cy="458788"/>
+          </a:xfrm>
+          <a:prstGeom prst="rect">
+            <a:avLst/>
+          </a:prstGeom>
+        </p:spPr>
+        <p:txBody>
+          <a:bodyPr vert="horz" lIns="91440" tIns="45720" rIns="91440" bIns="45720" rtlCol="0"/>
+          <a:lstStyle>
+            <a:lvl1pPr algn="r">
+              <a:defRPr sz="1200"/>
+            </a:lvl1pPr>
+          </a:lstStyle>
+          <a:p>
+            <a:fld id="{5282F153-3F37-0F45-9E97-73ACFA13230C}" type="datetimeFigureOut">
+              <a:rPr lang="en-US"/>
+              <a:t>7/23/19</a:t>
+            </a:fld>
+            <a:endParaRPr lang="en-US"/>
+          </a:p>
+        </p:txBody>
+      </p:sp>
+      <p:sp>
+        <p:nvSpPr>
+          <p:cNvPr id="4" name="Slide Image Placeholder 3"/>
+          <p:cNvSpPr>
+            <a:spLocks noGrp="1" noRot="1" noChangeAspect="1"/>
+          </p:cNvSpPr>
+          <p:nvPr>
+            <p:ph type="sldImg" idx="2"/>
+          </p:nvPr>
+        </p:nvSpPr>
+        <p:spPr>
+          <a:xfrm>
+            <a:off x="685800" y="1143000"/>
+            <a:ext cx="5486400" cy="3086100"/>
+          </a:xfrm>
+          <a:prstGeom prst="rect">
+            <a:avLst/>
+          </a:prstGeom>
+          <a:noFill/>
+          <a:ln w="12700">
+            <a:solidFill>
+              <a:prstClr val="black"/>
+            </a:solidFill>
+          </a:ln>
+        </p:spPr>
+        <p:txBody>
+          <a:bodyPr vert="horz" lIns="91440" tIns="45720" rIns="91440" bIns="45720" rtlCol="0" anchor="ctr"/>
+          <a:lstStyle/>
+          <a:p>
+            <a:endParaRPr lang="en-US"/>
+          </a:p>
+        </p:txBody>
+      </p:sp>
+      <p:sp>
+        <p:nvSpPr>
+          <p:cNvPr id="5" name="Notes Placeholder 4"/>
+          <p:cNvSpPr>
+            <a:spLocks noGrp="1"/>
+          </p:cNvSpPr>
+          <p:nvPr>
+            <p:ph type="body" sz="quarter" idx="3"/>
+          </p:nvPr>
+        </p:nvSpPr>
+        <p:spPr>
+          <a:xfrm>
+            <a:off x="685800" y="4400550"/>
+            <a:ext cx="5486400" cy="3600450"/>
+          </a:xfrm>
+          <a:prstGeom prst="rect">
+            <a:avLst/>
+          </a:prstGeom>
+        </p:spPr>
+        <p:txBody>
+          <a:bodyPr vert="horz" lIns="91440" tIns="45720" rIns="91440" bIns="45720" rtlCol="0"/>
+          <a:lstStyle/>
+          <a:p>
+            <a:pPr lvl="0"/>
+            <a:r>
+              <a:rPr lang="en-US"/>
+              <a:t>Click to edit Master text styles</a:t>
+            </a:r>
+          </a:p>
+          <a:p>
+            <a:pPr lvl="1"/>
+            <a:r>
+              <a:rPr lang="en-US"/>
+              <a:t>Second level</a:t>
+            </a:r>
+          </a:p>
+          <a:p>
+            <a:pPr lvl="2"/>
+            <a:r>
+              <a:rPr lang="en-US"/>
+              <a:t>Third level</a:t>
+            </a:r>
+          </a:p>
+          <a:p>
+            <a:pPr lvl="3"/>
+            <a:r>
+              <a:rPr lang="en-US"/>
+              <a:t>Fourth level</a:t>
+            </a:r>
+          </a:p>
+          <a:p>
+            <a:pPr lvl="4"/>
+            <a:r>
+              <a:rPr lang="en-US"/>
+              <a:t>Fifth level</a:t>
+            </a:r>
+          </a:p>
+        </p:txBody>
+      </p:sp>
+      <p:sp>
+        <p:nvSpPr>
+          <p:cNvPr id="6" name="Footer Placeholder 5"/>
+          <p:cNvSpPr>
+            <a:spLocks noGrp="1"/>
+          </p:cNvSpPr>
+          <p:nvPr>
+            <p:ph type="ftr" sz="quarter" idx="4"/>
+          </p:nvPr>
+        </p:nvSpPr>
+        <p:spPr>
+          <a:xfrm>
+            <a:off x="0" y="8685213"/>
+            <a:ext cx="2971800" cy="458787"/>
+          </a:xfrm>
+          <a:prstGeom prst="rect">
+            <a:avLst/>
+          </a:prstGeom>
+        </p:spPr>
+        <p:txBody>
+          <a:bodyPr vert="horz" lIns="91440" tIns="45720" rIns="91440" bIns="45720" rtlCol="0" anchor="b"/>
+          <a:lstStyle>
+            <a:lvl1pPr algn="l">
+              <a:defRPr sz="1200"/>
+            </a:lvl1pPr>
+          </a:lstStyle>
+          <a:p>
+            <a:endParaRPr lang="en-US"/>
+          </a:p>
+        </p:txBody>
+      </p:sp>
+      <p:sp>
+        <p:nvSpPr>
+          <p:cNvPr id="7" name="Slide Number Placeholder 6"/>
+          <p:cNvSpPr>
+            <a:spLocks noGrp="1"/>
+          </p:cNvSpPr>
+          <p:nvPr>
+            <p:ph type="sldNum" sz="quarter" idx="5"/>
+          </p:nvPr>
+        </p:nvSpPr>
+        <p:spPr>
+          <a:xfrm>
+            <a:off x="3884613" y="8685213"/>
+            <a:ext cx="2971800" cy="458787"/>
+          </a:xfrm>
+          <a:prstGeom prst="rect">
+            <a:avLst/>
+          </a:prstGeom>
+        </p:spPr>
+        <p:txBody>
+          <a:bodyPr vert="horz" lIns="91440" tIns="45720" rIns="91440" bIns="45720" rtlCol="0" anchor="b"/>
+          <a:lstStyle>
+            <a:lvl1pPr algn="r">
+              <a:defRPr sz="1200"/>
+            </a:lvl1pPr>
+          </a:lstStyle>
+          <a:p>
+            <a:fld id="{CE5E9CC1-C706-0F49-92D6-E571CC5EEA8F}" type="slidenum">
+              <a:rPr lang="en-US"/>
+              <a:t>‹#›</a:t>
+            </a:fld>
+            <a:endParaRPr lang="en-US"/>
+          </a:p>
+        </p:txBody>
+      </p:sp>
     </p:spTree>
+    <p:extLst>
+      <p:ext uri="{BB962C8B-B14F-4D97-AF65-F5344CB8AC3E}">
+        <p14:creationId xmlns:p14="http://schemas.microsoft.com/office/powerpoint/2010/main" val="1024086991"/>
+      </p:ext>
+    </p:extLst>
   </p:cSld>
   <p:clrMap bg1="lt1" tx1="dk1" bg2="lt2" tx2="dk2" accent1="accent1" accent2="accent2" accent3="accent3" accent4="accent4" accent5="accent5" accent6="accent6" hlink="hlink" folHlink="folHlink"/>
   <p:notesStyle>
@@ -279,6 +508,10 @@
           <a:bodyPr/>
           <a:lstStyle/>
           <a:p>
+            <a:r>
+              <a:rPr lang="en-US" dirty="0"/>
+              <a:t/>
+            </a:r>
             <a:endParaRPr lang="en-US" dirty="0"/>
           </a:p>
         </p:txBody>
@@ -300,7 +533,6 @@
           <a:p>
             <a:fld id="{F7021451-1387-4CA6-816F-3879F97B5CBC}" type="slidenum">
               <a:rPr lang="en-US"/>
-              <a:pPr/>
               <a:t>1</a:t>
             </a:fld>
             <a:endParaRPr lang="en-US"/>
@@ -310,7 +542,7 @@
     </p:spTree>
     <p:extLst>
       <p:ext uri="{BB962C8B-B14F-4D97-AF65-F5344CB8AC3E}">
-        <p14:creationId xmlns:p14="http://schemas.microsoft.com/office/powerpoint/2010/main" xmlns="" val="1024086991"/>
+        <p14:creationId xmlns:p14="http://schemas.microsoft.com/office/powerpoint/2010/main" val="1024086991"/>
       </p:ext>
     </p:extLst>
   </p:cSld>
@@ -368,6 +600,7 @@
               <a:rPr lang="en-US" dirty="0"/>
               <a:t>Image source: https://cdn.dribbble.com</a:t>
             </a:r>
+            <a:endParaRPr lang="en-US" dirty="0"/>
           </a:p>
         </p:txBody>
       </p:sp>
@@ -388,7 +621,6 @@
           <a:p>
             <a:fld id="{F7021451-1387-4CA6-816F-3879F97B5CBC}" type="slidenum">
               <a:rPr lang="en-US"/>
-              <a:pPr/>
               <a:t>2</a:t>
             </a:fld>
             <a:endParaRPr lang="en-US"/>
@@ -398,7 +630,7 @@
     </p:spTree>
     <p:extLst>
       <p:ext uri="{BB962C8B-B14F-4D97-AF65-F5344CB8AC3E}">
-        <p14:creationId xmlns:p14="http://schemas.microsoft.com/office/powerpoint/2010/main" xmlns="" val="1024086991"/>
+        <p14:creationId xmlns:p14="http://schemas.microsoft.com/office/powerpoint/2010/main" val="1024086991"/>
       </p:ext>
     </p:extLst>
   </p:cSld>
@@ -456,6 +688,7 @@
               <a:rPr lang="en-US" dirty="0"/>
               <a:t>Image source: https://www.slidemake.com</a:t>
             </a:r>
+            <a:endParaRPr lang="en-US" dirty="0"/>
           </a:p>
         </p:txBody>
       </p:sp>
@@ -476,7 +709,6 @@
           <a:p>
             <a:fld id="{F7021451-1387-4CA6-816F-3879F97B5CBC}" type="slidenum">
               <a:rPr lang="en-US"/>
-              <a:pPr/>
               <a:t>3</a:t>
             </a:fld>
             <a:endParaRPr lang="en-US"/>
@@ -486,7 +718,7 @@
     </p:spTree>
     <p:extLst>
       <p:ext uri="{BB962C8B-B14F-4D97-AF65-F5344CB8AC3E}">
-        <p14:creationId xmlns:p14="http://schemas.microsoft.com/office/powerpoint/2010/main" xmlns="" val="1024086991"/>
+        <p14:creationId xmlns:p14="http://schemas.microsoft.com/office/powerpoint/2010/main" val="1024086991"/>
       </p:ext>
     </p:extLst>
   </p:cSld>
@@ -544,6 +776,7 @@
               <a:rPr lang="en-US" dirty="0"/>
               <a:t>Image source: https://automationedge.com</a:t>
             </a:r>
+            <a:endParaRPr lang="en-US" dirty="0"/>
           </a:p>
         </p:txBody>
       </p:sp>
@@ -564,7 +797,6 @@
           <a:p>
             <a:fld id="{F7021451-1387-4CA6-816F-3879F97B5CBC}" type="slidenum">
               <a:rPr lang="en-US"/>
-              <a:pPr/>
               <a:t>4</a:t>
             </a:fld>
             <a:endParaRPr lang="en-US"/>
@@ -574,7 +806,7 @@
     </p:spTree>
     <p:extLst>
       <p:ext uri="{BB962C8B-B14F-4D97-AF65-F5344CB8AC3E}">
-        <p14:creationId xmlns:p14="http://schemas.microsoft.com/office/powerpoint/2010/main" xmlns="" val="1024086991"/>
+        <p14:creationId xmlns:p14="http://schemas.microsoft.com/office/powerpoint/2010/main" val="1024086991"/>
       </p:ext>
     </p:extLst>
   </p:cSld>
@@ -632,6 +864,7 @@
               <a:rPr lang="en-US" dirty="0"/>
               <a:t>Image source: https://cdn.dribbble.com</a:t>
             </a:r>
+            <a:endParaRPr lang="en-US" dirty="0"/>
           </a:p>
         </p:txBody>
       </p:sp>
@@ -652,7 +885,6 @@
           <a:p>
             <a:fld id="{F7021451-1387-4CA6-816F-3879F97B5CBC}" type="slidenum">
               <a:rPr lang="en-US"/>
-              <a:pPr/>
               <a:t>5</a:t>
             </a:fld>
             <a:endParaRPr lang="en-US"/>
@@ -662,7 +894,7 @@
     </p:spTree>
     <p:extLst>
       <p:ext uri="{BB962C8B-B14F-4D97-AF65-F5344CB8AC3E}">
-        <p14:creationId xmlns:p14="http://schemas.microsoft.com/office/powerpoint/2010/main" xmlns="" val="1024086991"/>
+        <p14:creationId xmlns:p14="http://schemas.microsoft.com/office/powerpoint/2010/main" val="1024086991"/>
       </p:ext>
     </p:extLst>
   </p:cSld>
@@ -720,6 +952,7 @@
               <a:rPr lang="en-US" dirty="0"/>
               <a:t>Image source: https://www.slidemake.com</a:t>
             </a:r>
+            <a:endParaRPr lang="en-US" dirty="0"/>
           </a:p>
         </p:txBody>
       </p:sp>
@@ -740,7 +973,6 @@
           <a:p>
             <a:fld id="{F7021451-1387-4CA6-816F-3879F97B5CBC}" type="slidenum">
               <a:rPr lang="en-US"/>
-              <a:pPr/>
               <a:t>6</a:t>
             </a:fld>
             <a:endParaRPr lang="en-US"/>
@@ -750,7 +982,7 @@
     </p:spTree>
     <p:extLst>
       <p:ext uri="{BB962C8B-B14F-4D97-AF65-F5344CB8AC3E}">
-        <p14:creationId xmlns:p14="http://schemas.microsoft.com/office/powerpoint/2010/main" xmlns="" val="1024086991"/>
+        <p14:creationId xmlns:p14="http://schemas.microsoft.com/office/powerpoint/2010/main" val="1024086991"/>
       </p:ext>
     </p:extLst>
   </p:cSld>
@@ -808,6 +1040,7 @@
               <a:rPr lang="en-US" dirty="0"/>
               <a:t>Image source: https://0.academia-photos.com</a:t>
             </a:r>
+            <a:endParaRPr lang="en-US" dirty="0"/>
           </a:p>
         </p:txBody>
       </p:sp>
@@ -828,7 +1061,6 @@
           <a:p>
             <a:fld id="{F7021451-1387-4CA6-816F-3879F97B5CBC}" type="slidenum">
               <a:rPr lang="en-US"/>
-              <a:pPr/>
               <a:t>7</a:t>
             </a:fld>
             <a:endParaRPr lang="en-US"/>
@@ -838,7 +1070,7 @@
     </p:spTree>
     <p:extLst>
       <p:ext uri="{BB962C8B-B14F-4D97-AF65-F5344CB8AC3E}">
-        <p14:creationId xmlns:p14="http://schemas.microsoft.com/office/powerpoint/2010/main" xmlns="" val="1024086991"/>
+        <p14:creationId xmlns:p14="http://schemas.microsoft.com/office/powerpoint/2010/main" val="1024086991"/>
       </p:ext>
     </p:extLst>
   </p:cSld>
@@ -896,6 +1128,7 @@
               <a:rPr lang="en-US" dirty="0"/>
               <a:t>Image source: https://www.slidemake.com</a:t>
             </a:r>
+            <a:endParaRPr lang="en-US" dirty="0"/>
           </a:p>
         </p:txBody>
       </p:sp>
@@ -916,7 +1149,6 @@
           <a:p>
             <a:fld id="{F7021451-1387-4CA6-816F-3879F97B5CBC}" type="slidenum">
               <a:rPr lang="en-US"/>
-              <a:pPr/>
               <a:t>8</a:t>
             </a:fld>
             <a:endParaRPr lang="en-US"/>
@@ -926,7 +1158,7 @@
     </p:spTree>
     <p:extLst>
       <p:ext uri="{BB962C8B-B14F-4D97-AF65-F5344CB8AC3E}">
-        <p14:creationId xmlns:p14="http://schemas.microsoft.com/office/powerpoint/2010/main" xmlns="" val="1024086991"/>
+        <p14:creationId xmlns:p14="http://schemas.microsoft.com/office/powerpoint/2010/main" val="1024086991"/>
       </p:ext>
     </p:extLst>
   </p:cSld>
@@ -984,6 +1216,7 @@
               <a:rPr lang="en-US" dirty="0"/>
               <a:t>Image source: https://cdn.dribbble.com</a:t>
             </a:r>
+            <a:endParaRPr lang="en-US" dirty="0"/>
           </a:p>
         </p:txBody>
       </p:sp>
@@ -1004,7 +1237,6 @@
           <a:p>
             <a:fld id="{F7021451-1387-4CA6-816F-3879F97B5CBC}" type="slidenum">
               <a:rPr lang="en-US"/>
-              <a:pPr/>
               <a:t>9</a:t>
             </a:fld>
             <a:endParaRPr lang="en-US"/>
@@ -1014,7 +1246,7 @@
     </p:spTree>
     <p:extLst>
       <p:ext uri="{BB962C8B-B14F-4D97-AF65-F5344CB8AC3E}">
-        <p14:creationId xmlns:p14="http://schemas.microsoft.com/office/powerpoint/2010/main" xmlns="" val="1024086991"/>
+        <p14:creationId xmlns:p14="http://schemas.microsoft.com/office/powerpoint/2010/main" val="1024086991"/>
       </p:ext>
     </p:extLst>
   </p:cSld>
@@ -1339,7 +1571,6 @@
         <a:solidFill>
           <a:srgbClr val="FFFFFF"/>
         </a:solidFill>
-        <a:effectLst/>
       </p:bgPr>
     </p:bg>
     <p:spTree>
@@ -1396,7 +1627,7 @@
       <p:sp>
         <p:nvSpPr>
           <p:cNvPr id="3" name="Text 1">
-            <a:hlinkClick r:id="rId3"/>
+            <a:hlinkClick r:id="rId1" tooltip=""/>
           </p:cNvPr>
           <p:cNvSpPr/>
           <p:nvPr/>
@@ -1425,10 +1656,10 @@
                 <a:latin typeface="Optima" pitchFamily="34" charset="0"/>
                 <a:ea typeface="Optima" pitchFamily="34" charset="-122"/>
                 <a:cs typeface="Optima" pitchFamily="34" charset="-120"/>
-                <a:hlinkClick r:id="rId3">
+                <a:hlinkClick r:id="rId1" invalidUrl="" action="" tgtFrame="" tooltip="" history="1" highlightClick="0" endSnd="0">
                   <a:extLst>
                     <a:ext uri="{A12FA001-AC4F-418D-AE19-62706E023703}">
-                      <ahyp:hlinkClr xmlns:ahyp="http://schemas.microsoft.com/office/drawing/2018/hyperlinkcolor" xmlns="" val="tx"/>
+                      <ahyp:hlinkClr xmlns:ahyp="http://schemas.microsoft.com/office/drawing/2018/hyperlinkcolor" val="tx"/>
                     </a:ext>
                   </a:extLst>
                 </a:hlinkClick>
@@ -1455,7 +1686,6 @@
         <a:solidFill>
           <a:srgbClr val="FFFFFF"/>
         </a:solidFill>
-        <a:effectLst/>
       </p:bgPr>
     </p:bg>
     <p:spTree>
@@ -1474,14 +1704,14 @@
       </p:grpSpPr>
       <p:pic>
         <p:nvPicPr>
-          <p:cNvPr id="2" name="Image 0" descr="https://search-letsfade-com.herokuapp.com/proxy?url=https://cdn.dribbble.com/userupload/9380429/file/original-4f51998508d954454d1596f7655ca831.png?resize=400x300"/>
+          <p:cNvPr id="2" name="Image 0" descr="https://search-letsfade-com.herokuapp.com/proxy?url=https://cdn.dribbble.com/userupload/9380429/file/original-4f51998508d954454d1596f7655ca831.png?resize=400x300">    </p:cNvPr>
           <p:cNvPicPr>
             <a:picLocks noChangeAspect="1"/>
           </p:cNvPicPr>
           <p:nvPr/>
         </p:nvPicPr>
         <p:blipFill>
-          <a:blip r:embed="rId3"/>
+          <a:blip r:embed="rId1"/>
           <a:stretch>
             <a:fillRect/>
           </a:stretch>
@@ -1618,7 +1848,6 @@
         <a:solidFill>
           <a:srgbClr val="FFFFFF"/>
         </a:solidFill>
-        <a:effectLst/>
       </p:bgPr>
     </p:bg>
     <p:spTree>
@@ -1637,14 +1866,14 @@
       </p:grpSpPr>
       <p:pic>
         <p:nvPicPr>
-          <p:cNvPr id="2" name="Image 0" descr="https://search-letsfade-com.herokuapp.com/proxy?url=https://www.slidemake.com/add_image.png"/>
+          <p:cNvPr id="2" name="Image 0" descr="https://search-letsfade-com.herokuapp.com/proxy?url=https://www.slidemake.com/add_image.png">    </p:cNvPr>
           <p:cNvPicPr>
             <a:picLocks noChangeAspect="1"/>
           </p:cNvPicPr>
           <p:nvPr/>
         </p:nvPicPr>
         <p:blipFill>
-          <a:blip r:embed="rId3"/>
+          <a:blip r:embed="rId1"/>
           <a:stretch>
             <a:fillRect/>
           </a:stretch>
@@ -1781,7 +2010,6 @@
         <a:solidFill>
           <a:srgbClr val="FFFFFF"/>
         </a:solidFill>
-        <a:effectLst/>
       </p:bgPr>
     </p:bg>
     <p:spTree>
@@ -1800,14 +2028,14 @@
       </p:grpSpPr>
       <p:pic>
         <p:nvPicPr>
-          <p:cNvPr id="2" name="Image 0" descr="https://search-letsfade-com.herokuapp.com/proxy?url=https://automationedge.com/wp-content/uploads/2022/11/Feb_Blog-banners-82.png"/>
+          <p:cNvPr id="2" name="Image 0" descr="https://search-letsfade-com.herokuapp.com/proxy?url=https://automationedge.com/wp-content/uploads/2022/11/Feb_Blog-banners-82.png">    </p:cNvPr>
           <p:cNvPicPr>
             <a:picLocks noChangeAspect="1"/>
           </p:cNvPicPr>
           <p:nvPr/>
         </p:nvPicPr>
         <p:blipFill>
-          <a:blip r:embed="rId3"/>
+          <a:blip r:embed="rId1"/>
           <a:stretch>
             <a:fillRect/>
           </a:stretch>
@@ -1944,7 +2172,6 @@
         <a:solidFill>
           <a:srgbClr val="FFFFFF"/>
         </a:solidFill>
-        <a:effectLst/>
       </p:bgPr>
     </p:bg>
     <p:spTree>
@@ -1963,14 +2190,14 @@
       </p:grpSpPr>
       <p:pic>
         <p:nvPicPr>
-          <p:cNvPr id="2" name="Image 0" descr="https://search-letsfade-com.herokuapp.com/proxy?url=https://cdn.dribbble.com/userupload/9380429/file/original-4f51998508d954454d1596f7655ca831.png?resize=400x300"/>
+          <p:cNvPr id="2" name="Image 0" descr="https://search-letsfade-com.herokuapp.com/proxy?url=https://cdn.dribbble.com/userupload/9380429/file/original-4f51998508d954454d1596f7655ca831.png?resize=400x300">    </p:cNvPr>
           <p:cNvPicPr>
             <a:picLocks noChangeAspect="1"/>
           </p:cNvPicPr>
           <p:nvPr/>
         </p:nvPicPr>
         <p:blipFill>
-          <a:blip r:embed="rId3"/>
+          <a:blip r:embed="rId1"/>
           <a:stretch>
             <a:fillRect/>
           </a:stretch>
@@ -2107,7 +2334,6 @@
         <a:solidFill>
           <a:srgbClr val="FFFFFF"/>
         </a:solidFill>
-        <a:effectLst/>
       </p:bgPr>
     </p:bg>
     <p:spTree>
@@ -2126,14 +2352,14 @@
       </p:grpSpPr>
       <p:pic>
         <p:nvPicPr>
-          <p:cNvPr id="2" name="Image 0" descr="https://search-letsfade-com.herokuapp.com/proxy?url=https://www.slidemake.com/add_image.png"/>
+          <p:cNvPr id="2" name="Image 0" descr="https://search-letsfade-com.herokuapp.com/proxy?url=https://www.slidemake.com/add_image.png">    </p:cNvPr>
           <p:cNvPicPr>
             <a:picLocks noChangeAspect="1"/>
           </p:cNvPicPr>
           <p:nvPr/>
         </p:nvPicPr>
         <p:blipFill>
-          <a:blip r:embed="rId3"/>
+          <a:blip r:embed="rId1"/>
           <a:stretch>
             <a:fillRect/>
           </a:stretch>
@@ -2270,7 +2496,6 @@
         <a:solidFill>
           <a:srgbClr val="FFFFFF"/>
         </a:solidFill>
-        <a:effectLst/>
       </p:bgPr>
     </p:bg>
     <p:spTree>
@@ -2289,14 +2514,14 @@
       </p:grpSpPr>
       <p:pic>
         <p:nvPicPr>
-          <p:cNvPr id="2" name="Image 0" descr="https://search-letsfade-com.herokuapp.com/proxy?url=https://0.academia-photos.com/attachment_thumbnails/92021694/mini_magick20221005-1-gouc25.png?1664974899"/>
+          <p:cNvPr id="2" name="Image 0" descr="https://search-letsfade-com.herokuapp.com/proxy?url=https://0.academia-photos.com/attachment_thumbnails/92021694/mini_magick20221005-1-gouc25.png?1664974899">    </p:cNvPr>
           <p:cNvPicPr>
             <a:picLocks noChangeAspect="1"/>
           </p:cNvPicPr>
           <p:nvPr/>
         </p:nvPicPr>
         <p:blipFill>
-          <a:blip r:embed="rId3"/>
+          <a:blip r:embed="rId1"/>
           <a:stretch>
             <a:fillRect/>
           </a:stretch>
@@ -2433,7 +2658,6 @@
         <a:solidFill>
           <a:srgbClr val="FFFFFF"/>
         </a:solidFill>
-        <a:effectLst/>
       </p:bgPr>
     </p:bg>
     <p:spTree>
@@ -2452,14 +2676,14 @@
       </p:grpSpPr>
       <p:pic>
         <p:nvPicPr>
-          <p:cNvPr id="2" name="Image 0" descr="https://search-letsfade-com.herokuapp.com/proxy?url=https://www.slidemake.com/add_image.png"/>
+          <p:cNvPr id="2" name="Image 0" descr="https://search-letsfade-com.herokuapp.com/proxy?url=https://www.slidemake.com/add_image.png">    </p:cNvPr>
           <p:cNvPicPr>
             <a:picLocks noChangeAspect="1"/>
           </p:cNvPicPr>
           <p:nvPr/>
         </p:nvPicPr>
         <p:blipFill>
-          <a:blip r:embed="rId3"/>
+          <a:blip r:embed="rId1"/>
           <a:stretch>
             <a:fillRect/>
           </a:stretch>
@@ -2596,7 +2820,6 @@
         <a:solidFill>
           <a:srgbClr val="FFFFFF"/>
         </a:solidFill>
-        <a:effectLst/>
       </p:bgPr>
     </p:bg>
     <p:spTree>
@@ -2615,14 +2838,14 @@
       </p:grpSpPr>
       <p:pic>
         <p:nvPicPr>
-          <p:cNvPr id="2" name="Image 0" descr="https://search-letsfade-com.herokuapp.com/proxy?url=https://cdn.dribbble.com/userupload/9380429/file/original-4f51998508d954454d1596f7655ca831.png?resize=400x300"/>
+          <p:cNvPr id="2" name="Image 0" descr="https://search-letsfade-com.herokuapp.com/proxy?url=https://cdn.dribbble.com/userupload/9380429/file/original-4f51998508d954454d1596f7655ca831.png?resize=400x300">    </p:cNvPr>
           <p:cNvPicPr>
             <a:picLocks noChangeAspect="1"/>
           </p:cNvPicPr>
           <p:nvPr/>
         </p:nvPicPr>
         <p:blipFill>
-          <a:blip r:embed="rId3"/>
+          <a:blip r:embed="rId1"/>
           <a:stretch>
             <a:fillRect/>
           </a:stretch>
@@ -2794,7 +3017,7 @@
     </a:clrScheme>
     <a:fontScheme name="Office">
       <a:majorFont>
-        <a:latin typeface="Calibri Light"/>
+        <a:latin typeface="Calibri Light" panose="020F0302020204030204"/>
         <a:ea typeface=""/>
         <a:cs typeface=""/>
         <a:font script="Jpan" typeface="游ゴシック Light"/>
@@ -2846,7 +3069,7 @@
         <a:font script="Tfng" typeface="Ebrima"/>
       </a:majorFont>
       <a:minorFont>
-        <a:latin typeface="Calibri"/>
+        <a:latin typeface="Calibri" panose="020F0502020204030204"/>
         <a:ea typeface=""/>
         <a:cs typeface=""/>
         <a:font script="Jpan" typeface="游ゴシック"/>
@@ -3040,291 +3263,8 @@
   <a:extraClrSchemeLst/>
   <a:extLst>
     <a:ext uri="{05A4C25C-085E-4340-85A3-A5531E510DB2}">
-      <thm15:themeFamily xmlns:thm15="http://schemas.microsoft.com/office/thememl/2012/main" xmlns="" name="Office Theme" id="{62F939B6-93AF-4DB8-9C6B-D6C7DFDC589F}" vid="{4A3C46E8-61CC-4603-A589-7422A47A8E4A}"/>
+      <thm15:themeFamily xmlns:thm15="http://schemas.microsoft.com/office/thememl/2012/main" name="Office Theme" id="{62F939B6-93AF-4DB8-9C6B-D6C7DFDC589F}" vid="{4A3C46E8-61CC-4603-A589-7422A47A8E4A}"/>
     </a:ext>
   </a:extLst>
 </a:theme>
-</file>
-
-<file path=ppt/theme/theme2.xml><?xml version="1.0" encoding="utf-8"?>
-<a:theme xmlns:a="http://schemas.openxmlformats.org/drawingml/2006/main" name="Office Theme">
-  <a:themeElements>
-    <a:clrScheme name="Office">
-      <a:dk1>
-        <a:sysClr val="windowText" lastClr="000000"/>
-      </a:dk1>
-      <a:lt1>
-        <a:sysClr val="window" lastClr="FFFFFF"/>
-      </a:lt1>
-      <a:dk2>
-        <a:srgbClr val="1F497D"/>
-      </a:dk2>
-      <a:lt2>
-        <a:srgbClr val="EEECE1"/>
-      </a:lt2>
-      <a:accent1>
-        <a:srgbClr val="4F81BD"/>
-      </a:accent1>
-      <a:accent2>
-        <a:srgbClr val="C0504D"/>
-      </a:accent2>
-      <a:accent3>
-        <a:srgbClr val="9BBB59"/>
-      </a:accent3>
-      <a:accent4>
-        <a:srgbClr val="8064A2"/>
-      </a:accent4>
-      <a:accent5>
-        <a:srgbClr val="4BACC6"/>
-      </a:accent5>
-      <a:accent6>
-        <a:srgbClr val="F79646"/>
-      </a:accent6>
-      <a:hlink>
-        <a:srgbClr val="0000FF"/>
-      </a:hlink>
-      <a:folHlink>
-        <a:srgbClr val="800080"/>
-      </a:folHlink>
-    </a:clrScheme>
-    <a:fontScheme name="Office">
-      <a:majorFont>
-        <a:latin typeface="Calibri"/>
-        <a:ea typeface=""/>
-        <a:cs typeface=""/>
-        <a:font script="Jpan" typeface="ＭＳ Ｐゴシック"/>
-        <a:font script="Hang" typeface="맑은 고딕"/>
-        <a:font script="Hans" typeface="宋体"/>
-        <a:font script="Hant" typeface="新細明體"/>
-        <a:font script="Arab" typeface="Times New Roman"/>
-        <a:font script="Hebr" typeface="Times New Roman"/>
-        <a:font script="Thai" typeface="Angsana New"/>
-        <a:font script="Ethi" typeface="Nyala"/>
-        <a:font script="Beng" typeface="Vrinda"/>
-        <a:font script="Gujr" typeface="Shruti"/>
-        <a:font script="Khmr" typeface="MoolBoran"/>
-        <a:font script="Knda" typeface="Tunga"/>
-        <a:font script="Guru" typeface="Raavi"/>
-        <a:font script="Cans" typeface="Euphemia"/>
-        <a:font script="Cher" typeface="Plantagenet Cherokee"/>
-        <a:font script="Yiii" typeface="Microsoft Yi Baiti"/>
-        <a:font script="Tibt" typeface="Microsoft Himalaya"/>
-        <a:font script="Thaa" typeface="MV Boli"/>
-        <a:font script="Deva" typeface="Mangal"/>
-        <a:font script="Telu" typeface="Gautami"/>
-        <a:font script="Taml" typeface="Latha"/>
-        <a:font script="Syrc" typeface="Estrangelo Edessa"/>
-        <a:font script="Orya" typeface="Kalinga"/>
-        <a:font script="Mlym" typeface="Kartika"/>
-        <a:font script="Laoo" typeface="DokChampa"/>
-        <a:font script="Sinh" typeface="Iskoola Pota"/>
-        <a:font script="Mong" typeface="Mongolian Baiti"/>
-        <a:font script="Viet" typeface="Times New Roman"/>
-        <a:font script="Uigh" typeface="Microsoft Uighur"/>
-      </a:majorFont>
-      <a:minorFont>
-        <a:latin typeface="Calibri"/>
-        <a:ea typeface=""/>
-        <a:cs typeface=""/>
-        <a:font script="Jpan" typeface="ＭＳ Ｐゴシック"/>
-        <a:font script="Hang" typeface="맑은 고딕"/>
-        <a:font script="Hans" typeface="宋体"/>
-        <a:font script="Hant" typeface="新細明體"/>
-        <a:font script="Arab" typeface="Arial"/>
-        <a:font script="Hebr" typeface="Arial"/>
-        <a:font script="Thai" typeface="Cordia New"/>
-        <a:font script="Ethi" typeface="Nyala"/>
-        <a:font script="Beng" typeface="Vrinda"/>
-        <a:font script="Gujr" typeface="Shruti"/>
-        <a:font script="Khmr" typeface="DaunPenh"/>
-        <a:font script="Knda" typeface="Tunga"/>
-        <a:font script="Guru" typeface="Raavi"/>
-        <a:font script="Cans" typeface="Euphemia"/>
-        <a:font script="Cher" typeface="Plantagenet Cherokee"/>
-        <a:font script="Yiii" typeface="Microsoft Yi Baiti"/>
-        <a:font script="Tibt" typeface="Microsoft Himalaya"/>
-        <a:font script="Thaa" typeface="MV Boli"/>
-        <a:font script="Deva" typeface="Mangal"/>
-        <a:font script="Telu" typeface="Gautami"/>
-        <a:font script="Taml" typeface="Latha"/>
-        <a:font script="Syrc" typeface="Estrangelo Edessa"/>
-        <a:font script="Orya" typeface="Kalinga"/>
-        <a:font script="Mlym" typeface="Kartika"/>
-        <a:font script="Laoo" typeface="DokChampa"/>
-        <a:font script="Sinh" typeface="Iskoola Pota"/>
-        <a:font script="Mong" typeface="Mongolian Baiti"/>
-        <a:font script="Viet" typeface="Arial"/>
-        <a:font script="Uigh" typeface="Microsoft Uighur"/>
-      </a:minorFont>
-    </a:fontScheme>
-    <a:fmtScheme name="Office">
-      <a:fillStyleLst>
-        <a:solidFill>
-          <a:schemeClr val="phClr"/>
-        </a:solidFill>
-        <a:gradFill rotWithShape="1">
-          <a:gsLst>
-            <a:gs pos="0">
-              <a:schemeClr val="phClr">
-                <a:tint val="50000"/>
-                <a:satMod val="300000"/>
-              </a:schemeClr>
-            </a:gs>
-            <a:gs pos="35000">
-              <a:schemeClr val="phClr">
-                <a:tint val="37000"/>
-                <a:satMod val="300000"/>
-              </a:schemeClr>
-            </a:gs>
-            <a:gs pos="100000">
-              <a:schemeClr val="phClr">
-                <a:tint val="15000"/>
-                <a:satMod val="350000"/>
-              </a:schemeClr>
-            </a:gs>
-          </a:gsLst>
-          <a:lin ang="16200000" scaled="1"/>
-        </a:gradFill>
-        <a:gradFill rotWithShape="1">
-          <a:gsLst>
-            <a:gs pos="0">
-              <a:schemeClr val="phClr">
-                <a:shade val="51000"/>
-                <a:satMod val="130000"/>
-              </a:schemeClr>
-            </a:gs>
-            <a:gs pos="80000">
-              <a:schemeClr val="phClr">
-                <a:shade val="93000"/>
-                <a:satMod val="130000"/>
-              </a:schemeClr>
-            </a:gs>
-            <a:gs pos="100000">
-              <a:schemeClr val="phClr">
-                <a:shade val="94000"/>
-                <a:satMod val="135000"/>
-              </a:schemeClr>
-            </a:gs>
-          </a:gsLst>
-          <a:lin ang="16200000" scaled="0"/>
-        </a:gradFill>
-      </a:fillStyleLst>
-      <a:lnStyleLst>
-        <a:ln w="9525" cap="flat" cmpd="sng" algn="ctr">
-          <a:solidFill>
-            <a:schemeClr val="phClr">
-              <a:shade val="95000"/>
-              <a:satMod val="105000"/>
-            </a:schemeClr>
-          </a:solidFill>
-          <a:prstDash val="solid"/>
-        </a:ln>
-        <a:ln w="25400" cap="flat" cmpd="sng" algn="ctr">
-          <a:solidFill>
-            <a:schemeClr val="phClr"/>
-          </a:solidFill>
-          <a:prstDash val="solid"/>
-        </a:ln>
-        <a:ln w="38100" cap="flat" cmpd="sng" algn="ctr">
-          <a:solidFill>
-            <a:schemeClr val="phClr"/>
-          </a:solidFill>
-          <a:prstDash val="solid"/>
-        </a:ln>
-      </a:lnStyleLst>
-      <a:effectStyleLst>
-        <a:effectStyle>
-          <a:effectLst>
-            <a:outerShdw blurRad="40000" dist="20000" dir="5400000" rotWithShape="0">
-              <a:srgbClr val="000000">
-                <a:alpha val="38000"/>
-              </a:srgbClr>
-            </a:outerShdw>
-          </a:effectLst>
-        </a:effectStyle>
-        <a:effectStyle>
-          <a:effectLst>
-            <a:outerShdw blurRad="40000" dist="23000" dir="5400000" rotWithShape="0">
-              <a:srgbClr val="000000">
-                <a:alpha val="35000"/>
-              </a:srgbClr>
-            </a:outerShdw>
-          </a:effectLst>
-        </a:effectStyle>
-        <a:effectStyle>
-          <a:effectLst>
-            <a:outerShdw blurRad="40000" dist="23000" dir="5400000" rotWithShape="0">
-              <a:srgbClr val="000000">
-                <a:alpha val="35000"/>
-              </a:srgbClr>
-            </a:outerShdw>
-          </a:effectLst>
-          <a:scene3d>
-            <a:camera prst="orthographicFront">
-              <a:rot lat="0" lon="0" rev="0"/>
-            </a:camera>
-            <a:lightRig rig="threePt" dir="t">
-              <a:rot lat="0" lon="0" rev="1200000"/>
-            </a:lightRig>
-          </a:scene3d>
-          <a:sp3d>
-            <a:bevelT w="63500" h="25400"/>
-          </a:sp3d>
-        </a:effectStyle>
-      </a:effectStyleLst>
-      <a:bgFillStyleLst>
-        <a:solidFill>
-          <a:schemeClr val="phClr"/>
-        </a:solidFill>
-        <a:gradFill rotWithShape="1">
-          <a:gsLst>
-            <a:gs pos="0">
-              <a:schemeClr val="phClr">
-                <a:tint val="40000"/>
-                <a:satMod val="350000"/>
-              </a:schemeClr>
-            </a:gs>
-            <a:gs pos="40000">
-              <a:schemeClr val="phClr">
-                <a:tint val="45000"/>
-                <a:shade val="99000"/>
-                <a:satMod val="350000"/>
-              </a:schemeClr>
-            </a:gs>
-            <a:gs pos="100000">
-              <a:schemeClr val="phClr">
-                <a:shade val="20000"/>
-                <a:satMod val="255000"/>
-              </a:schemeClr>
-            </a:gs>
-          </a:gsLst>
-          <a:path path="circle">
-            <a:fillToRect l="50000" t="-80000" r="50000" b="180000"/>
-          </a:path>
-        </a:gradFill>
-        <a:gradFill rotWithShape="1">
-          <a:gsLst>
-            <a:gs pos="0">
-              <a:schemeClr val="phClr">
-                <a:tint val="80000"/>
-                <a:satMod val="300000"/>
-              </a:schemeClr>
-            </a:gs>
-            <a:gs pos="100000">
-              <a:schemeClr val="phClr">
-                <a:shade val="30000"/>
-                <a:satMod val="200000"/>
-              </a:schemeClr>
-            </a:gs>
-          </a:gsLst>
-          <a:path path="circle">
-            <a:fillToRect l="50000" t="50000" r="50000" b="50000"/>
-          </a:path>
-        </a:gradFill>
-      </a:bgFillStyleLst>
-    </a:fmtScheme>
-  </a:themeElements>
-  <a:objectDefaults/>
-  <a:extraClrSchemeLst/>
-</a:theme>
 </file>